--- a/iotprotocols/ppt/iot-protocols.pptx
+++ b/iotprotocols/ppt/iot-protocols.pptx
@@ -266,7 +266,7 @@
               <a:rPr lang="en-US" smtClean="0">
                 <a:latin typeface="Segoe UI" pitchFamily="34" charset="0"/>
               </a:rPr>
-              <a:t>10/7/2020 2:49 PM</a:t>
+              <a:t>10/8/2020 8:24 AM</a:t>
             </a:fld>
             <a:endParaRPr lang="en-US" dirty="0">
               <a:latin typeface="Segoe UI" pitchFamily="34" charset="0"/>
@@ -544,7 +544,7 @@
           <a:p>
             <a:fld id="{386CE63F-9E7F-4C04-9D0D-FCA25A8E9E86}" type="datetime8">
               <a:rPr lang="en-US" smtClean="0"/>
-              <a:t>10/7/2020 2:49 PM</a:t>
+              <a:t>10/8/2020 8:24 AM</a:t>
             </a:fld>
             <a:endParaRPr lang="en-US" dirty="0"/>
           </a:p>
@@ -911,7 +911,7 @@
           <a:p>
             <a:fld id="{321E5A7B-BB8D-4368-A182-109669521632}" type="datetime8">
               <a:rPr lang="en-US" smtClean="0"/>
-              <a:t>10/7/2020 2:49 PM</a:t>
+              <a:t>10/8/2020 8:24 AM</a:t>
             </a:fld>
             <a:endParaRPr lang="en-US" dirty="0"/>
           </a:p>
@@ -1186,7 +1186,7 @@
                   <a:prstClr val="black"/>
                 </a:solidFill>
               </a:rPr>
-              <a:t>10/7/2020 2:49 PM</a:t>
+              <a:t>10/8/2020 8:24 AM</a:t>
             </a:fld>
             <a:endParaRPr lang="en-US" dirty="0">
               <a:solidFill>
@@ -14933,7 +14933,7 @@
             </a:ln>
             <a:extLst>
               <a:ext uri="{91240B29-F687-4f45-9708-019B960494DF}">
-                <a14:hiddenLine xmlns="" xmlns:a16="http://schemas.microsoft.com/office/drawing/2014/main" xmlns:p14="http://schemas.microsoft.com/office/powerpoint/2010/main" xmlns:mc="http://schemas.openxmlformats.org/markup-compatibility/2006" xmlns:p159="http://schemas.microsoft.com/office/powerpoint/2015/09/main" xmlns:a14="http://schemas.microsoft.com/office/drawing/2010/main" w="9525">
+                <a14:hiddenLine xmlns:a14="http://schemas.microsoft.com/office/drawing/2010/main" xmlns:p159="http://schemas.microsoft.com/office/powerpoint/2015/09/main" xmlns:mc="http://schemas.openxmlformats.org/markup-compatibility/2006" xmlns:p14="http://schemas.microsoft.com/office/powerpoint/2010/main" xmlns:a16="http://schemas.microsoft.com/office/drawing/2014/main" xmlns="" w="9525">
                   <a:solidFill>
                     <a:srgbClr val="000000"/>
                   </a:solidFill>
@@ -17324,13 +17324,13 @@
   <p:clrMapOvr>
     <a:masterClrMapping/>
   </p:clrMapOvr>
-  <mc:AlternateContent xmlns:mc="http://schemas.openxmlformats.org/markup-compatibility/2006">
-    <mc:Choice xmlns:p159="http://schemas.microsoft.com/office/powerpoint/2015/09/main" Requires="p159">
+  <mc:AlternateContent xmlns:mc="http://schemas.openxmlformats.org/markup-compatibility/2006" xmlns:p159="http://schemas.microsoft.com/office/powerpoint/2015/09/main">
+    <mc:Choice Requires="p159">
       <p:transition xmlns:p14="http://schemas.microsoft.com/office/powerpoint/2010/main" spd="slow" p14:dur="2000">
         <p159:morph option="byObject"/>
       </p:transition>
     </mc:Choice>
-    <mc:Fallback>
+    <mc:Fallback xmlns="">
       <p:transition spd="slow">
         <p:fade/>
       </p:transition>
@@ -18203,14 +18203,14 @@
             </a:endParaRPr>
           </a:p>
           <a:p>
-            <a:pPr algn="l"/>
+            <a:pPr algn="just"/>
             <a:r>
               <a:rPr lang="en-US" sz="1400" dirty="0">
                 <a:solidFill>
                   <a:schemeClr val="bg1"/>
                 </a:solidFill>
               </a:rPr>
-              <a:t>Avoid this design as customers don’t have full control of the IoT data. This may be cheaper to start but now customers have their data spread across two tenants (IoT data in the partner cloud and non-IoT data in customer Azure cloud)</a:t>
+              <a:t>Avoid this design as customers don’t have full control of the IoT data. This may be cheaper to start but now customers have their data spread across two clouds/tenants (IoT data in the partner cloud and non-IoT data in customer Azure cloud)</a:t>
             </a:r>
           </a:p>
         </p:txBody>
@@ -18229,8 +18229,8 @@
         </p:nvSpPr>
         <p:spPr>
           <a:xfrm>
-            <a:off x="7126987" y="4389350"/>
-            <a:ext cx="4476750" cy="1508105"/>
+            <a:off x="7126987" y="4281628"/>
+            <a:ext cx="4476750" cy="1723549"/>
           </a:xfrm>
           <a:prstGeom prst="rect">
             <a:avLst/>
@@ -18270,13 +18270,14 @@
             </a:endParaRPr>
           </a:p>
           <a:p>
+            <a:pPr algn="just"/>
             <a:r>
               <a:rPr lang="en-US" sz="1400" dirty="0">
                 <a:solidFill>
                   <a:schemeClr val="bg1"/>
                 </a:solidFill>
               </a:rPr>
-              <a:t>This design is recommended because customer IoT data and non-IoT data are in a single cloud. This design is cheaper and flexible in the long run. Additionally since the data is centralized in one location its easy to run advanced analytics without moving data around.</a:t>
+              <a:t>This design is recommended because customer IoT data and non-IoT data are in a single cloud/tenant. This design is cheaper and flexible in the long run. Additionally since the data is centralized in one location its easy to run advanced analytics without moving data around.</a:t>
             </a:r>
           </a:p>
         </p:txBody>
@@ -19499,6 +19500,25 @@
 </file>
 
 <file path=customXml/item1.xml><?xml version="1.0" encoding="utf-8"?>
+<?mso-contentType ?>
+<FormTemplates xmlns="http://schemas.microsoft.com/sharepoint/v3/contenttype/forms">
+  <Display>DocumentLibraryForm</Display>
+  <Edit>DocumentLibraryForm</Edit>
+  <New>DocumentLibraryForm</New>
+</FormTemplates>
+</file>
+
+<file path=customXml/item2.xml><?xml version="1.0" encoding="utf-8"?>
+<p:properties xmlns:p="http://schemas.microsoft.com/office/2006/metadata/properties" xmlns:xsi="http://www.w3.org/2001/XMLSchema-instance" xmlns:pc="http://schemas.microsoft.com/office/infopath/2007/PartnerControls">
+  <documentManagement>
+    <_ip_UnifiedCompliancePolicyUIAction xmlns="http://schemas.microsoft.com/sharepoint/v3" xsi:nil="true"/>
+    <_ip_UnifiedCompliancePolicyProperties xmlns="http://schemas.microsoft.com/sharepoint/v3" xsi:nil="true"/>
+    <MediaServiceKeyPoints xmlns="965de625-df5b-42e9-a277-2113da4f1195" xsi:nil="true"/>
+  </documentManagement>
+</p:properties>
+</file>
+
+<file path=customXml/item3.xml><?xml version="1.0" encoding="utf-8"?>
 <ct:contentTypeSchema xmlns:ct="http://schemas.microsoft.com/office/2006/metadata/contentType" xmlns:ma="http://schemas.microsoft.com/office/2006/metadata/properties/metaAttributes" ct:_="" ma:_="" ma:contentTypeName="Document" ma:contentTypeID="0x010100BD9FAF4CD5AD2F4B99B5B2414089ABF7" ma:contentTypeVersion="16" ma:contentTypeDescription="Create a new document." ma:contentTypeScope="" ma:versionID="24b7a44f49c7f8d524d04c695baedf53">
   <xsd:schema xmlns:xsd="http://www.w3.org/2001/XMLSchema" xmlns:xs="http://www.w3.org/2001/XMLSchema" xmlns:p="http://schemas.microsoft.com/office/2006/metadata/properties" xmlns:ns1="http://schemas.microsoft.com/sharepoint/v3" xmlns:ns2="dcf5ddc1-fb1d-440f-849a-6450bddbaed7" xmlns:ns3="965de625-df5b-42e9-a277-2113da4f1195" targetNamespace="http://schemas.microsoft.com/office/2006/metadata/properties" ma:root="true" ma:fieldsID="e46491ab598b4ca7c34f6e01f1cb89ea" ns1:_="" ns2:_="" ns3:_="">
     <xsd:import namespace="http://schemas.microsoft.com/sharepoint/v3"/>
@@ -19746,41 +19766,10 @@
 </ct:contentTypeSchema>
 </file>
 
-<file path=customXml/item2.xml><?xml version="1.0" encoding="utf-8"?>
-<p:properties xmlns:p="http://schemas.microsoft.com/office/2006/metadata/properties" xmlns:xsi="http://www.w3.org/2001/XMLSchema-instance" xmlns:pc="http://schemas.microsoft.com/office/infopath/2007/PartnerControls">
-  <documentManagement>
-    <_ip_UnifiedCompliancePolicyUIAction xmlns="http://schemas.microsoft.com/sharepoint/v3" xsi:nil="true"/>
-    <_ip_UnifiedCompliancePolicyProperties xmlns="http://schemas.microsoft.com/sharepoint/v3" xsi:nil="true"/>
-    <MediaServiceKeyPoints xmlns="965de625-df5b-42e9-a277-2113da4f1195" xsi:nil="true"/>
-  </documentManagement>
-</p:properties>
-</file>
-
-<file path=customXml/item3.xml><?xml version="1.0" encoding="utf-8"?>
-<?mso-contentType ?>
-<FormTemplates xmlns="http://schemas.microsoft.com/sharepoint/v3/contenttype/forms">
-  <Display>DocumentLibraryForm</Display>
-  <Edit>DocumentLibraryForm</Edit>
-  <New>DocumentLibraryForm</New>
-</FormTemplates>
-</file>
-
 <file path=customXml/itemProps1.xml><?xml version="1.0" encoding="utf-8"?>
-<ds:datastoreItem xmlns:ds="http://schemas.openxmlformats.org/officeDocument/2006/customXml" ds:itemID="{13D1D262-8086-483E-8AEE-327E7944ECC8}">
+<ds:datastoreItem xmlns:ds="http://schemas.openxmlformats.org/officeDocument/2006/customXml" ds:itemID="{758FDAC0-319D-4A54-8D8E-1D42CB1F8004}">
   <ds:schemaRefs>
-    <ds:schemaRef ds:uri="http://schemas.microsoft.com/office/2006/metadata/contentType"/>
-    <ds:schemaRef ds:uri="http://schemas.microsoft.com/office/2006/metadata/properties/metaAttributes"/>
-    <ds:schemaRef ds:uri="http://www.w3.org/2001/XMLSchema"/>
-    <ds:schemaRef ds:uri="http://schemas.microsoft.com/office/2006/metadata/properties"/>
-    <ds:schemaRef ds:uri="http://schemas.microsoft.com/sharepoint/v3"/>
-    <ds:schemaRef ds:uri="dcf5ddc1-fb1d-440f-849a-6450bddbaed7"/>
-    <ds:schemaRef ds:uri="965de625-df5b-42e9-a277-2113da4f1195"/>
-    <ds:schemaRef ds:uri="http://schemas.microsoft.com/office/2006/documentManagement/types"/>
-    <ds:schemaRef ds:uri="http://schemas.microsoft.com/office/infopath/2007/PartnerControls"/>
-    <ds:schemaRef ds:uri="http://schemas.openxmlformats.org/package/2006/metadata/core-properties"/>
-    <ds:schemaRef ds:uri="http://purl.org/dc/elements/1.1/"/>
-    <ds:schemaRef ds:uri="http://purl.org/dc/terms/"/>
-    <ds:schemaRef ds:uri="http://schemas.microsoft.com/internal/obd"/>
+    <ds:schemaRef ds:uri="http://schemas.microsoft.com/sharepoint/v3/contenttype/forms"/>
   </ds:schemaRefs>
 </ds:datastoreItem>
 </file>
@@ -19804,9 +19793,21 @@
 </file>
 
 <file path=customXml/itemProps3.xml><?xml version="1.0" encoding="utf-8"?>
-<ds:datastoreItem xmlns:ds="http://schemas.openxmlformats.org/officeDocument/2006/customXml" ds:itemID="{758FDAC0-319D-4A54-8D8E-1D42CB1F8004}">
+<ds:datastoreItem xmlns:ds="http://schemas.openxmlformats.org/officeDocument/2006/customXml" ds:itemID="{13D1D262-8086-483E-8AEE-327E7944ECC8}">
   <ds:schemaRefs>
-    <ds:schemaRef ds:uri="http://schemas.microsoft.com/sharepoint/v3/contenttype/forms"/>
+    <ds:schemaRef ds:uri="http://schemas.microsoft.com/office/2006/metadata/contentType"/>
+    <ds:schemaRef ds:uri="http://schemas.microsoft.com/office/2006/metadata/properties/metaAttributes"/>
+    <ds:schemaRef ds:uri="http://www.w3.org/2001/XMLSchema"/>
+    <ds:schemaRef ds:uri="http://schemas.microsoft.com/office/2006/metadata/properties"/>
+    <ds:schemaRef ds:uri="http://schemas.microsoft.com/sharepoint/v3"/>
+    <ds:schemaRef ds:uri="dcf5ddc1-fb1d-440f-849a-6450bddbaed7"/>
+    <ds:schemaRef ds:uri="965de625-df5b-42e9-a277-2113da4f1195"/>
+    <ds:schemaRef ds:uri="http://schemas.microsoft.com/office/2006/documentManagement/types"/>
+    <ds:schemaRef ds:uri="http://schemas.microsoft.com/office/infopath/2007/PartnerControls"/>
+    <ds:schemaRef ds:uri="http://schemas.openxmlformats.org/package/2006/metadata/core-properties"/>
+    <ds:schemaRef ds:uri="http://purl.org/dc/elements/1.1/"/>
+    <ds:schemaRef ds:uri="http://purl.org/dc/terms/"/>
+    <ds:schemaRef ds:uri="http://schemas.microsoft.com/internal/obd"/>
   </ds:schemaRefs>
 </ds:datastoreItem>
 </file>